--- a/Documents/Presentation.pptx
+++ b/Documents/Presentation.pptx
@@ -6,16 +6,18 @@
   </p:sldMasterIdLst>
   <p:sldIdLst>
     <p:sldId id="256" r:id="rId2"/>
-    <p:sldId id="257" r:id="rId3"/>
-    <p:sldId id="258" r:id="rId4"/>
+    <p:sldId id="272" r:id="rId3"/>
+    <p:sldId id="257" r:id="rId4"/>
     <p:sldId id="259" r:id="rId5"/>
     <p:sldId id="266" r:id="rId6"/>
     <p:sldId id="260" r:id="rId7"/>
     <p:sldId id="268" r:id="rId8"/>
     <p:sldId id="269" r:id="rId9"/>
     <p:sldId id="265" r:id="rId10"/>
-    <p:sldId id="264" r:id="rId11"/>
-    <p:sldId id="270" r:id="rId12"/>
+    <p:sldId id="271" r:id="rId11"/>
+    <p:sldId id="273" r:id="rId12"/>
+    <p:sldId id="264" r:id="rId13"/>
+    <p:sldId id="270" r:id="rId14"/>
   </p:sldIdLst>
   <p:sldSz cx="9144000" cy="6858000" type="screen4x3"/>
   <p:notesSz cx="6858000" cy="9144000"/>
@@ -3189,19 +3191,7 @@
                 </a:solidFill>
                 <a:latin typeface="Century Gothic" panose="020B0502020202020204" pitchFamily="34" charset="0"/>
               </a:rPr>
-              <a:t>| </a:t>
-            </a:r>
-            <a:r>
-              <a:rPr lang="bg-BG" sz="4300" spc="40" dirty="0" smtClean="0">
-                <a:solidFill>
-                  <a:schemeClr val="tx2">
-                    <a:lumMod val="60000"/>
-                    <a:lumOff val="40000"/>
-                  </a:schemeClr>
-                </a:solidFill>
-                <a:latin typeface="Century Gothic" panose="020B0502020202020204" pitchFamily="34" charset="0"/>
-              </a:rPr>
-              <a:t>Software University</a:t>
+              <a:t>| Software University</a:t>
             </a:r>
             <a:endParaRPr lang="bg-BG" sz="4300" spc="40" dirty="0">
               <a:solidFill>
@@ -3275,19 +3265,7 @@
                 </a:solidFill>
                 <a:latin typeface="Century Gothic" panose="020B0502020202020204" pitchFamily="34" charset="0"/>
               </a:rPr>
-              <a:t> </a:t>
-            </a:r>
-            <a:r>
-              <a:rPr lang="bg-BG" sz="4800" spc="190" dirty="0" smtClean="0">
-                <a:solidFill>
-                  <a:schemeClr val="tx2">
-                    <a:lumMod val="60000"/>
-                    <a:lumOff val="40000"/>
-                  </a:schemeClr>
-                </a:solidFill>
-                <a:latin typeface="Century Gothic" panose="020B0502020202020204" pitchFamily="34" charset="0"/>
-              </a:rPr>
-              <a:t>Project</a:t>
+              <a:t> Project</a:t>
             </a:r>
             <a:r>
               <a:rPr lang="en-US" sz="4800" spc="190" dirty="0" smtClean="0">
@@ -3323,6 +3301,14 @@
   <p:clrMapOvr>
     <a:masterClrMapping/>
   </p:clrMapOvr>
+  <mc:AlternateContent xmlns:mc="http://schemas.openxmlformats.org/markup-compatibility/2006">
+    <mc:Choice xmlns:p14="http://schemas.microsoft.com/office/powerpoint/2010/main" Requires="p14">
+      <p:transition spd="slow" p14:dur="2000" advTm="1658"/>
+    </mc:Choice>
+    <mc:Fallback>
+      <p:transition spd="slow" advTm="1658"/>
+    </mc:Fallback>
+  </mc:AlternateContent>
   <p:timing>
     <p:tnLst>
       <p:par>
@@ -3350,250 +3336,46 @@
           <a:chExt cx="0" cy="0"/>
         </a:xfrm>
       </p:grpSpPr>
-      <p:sp>
-        <p:nvSpPr>
-          <p:cNvPr id="4" name="Подзаглавие 2"/>
-          <p:cNvSpPr txBox="1">
-            <a:spLocks/>
-          </p:cNvSpPr>
+      <p:pic>
+        <p:nvPicPr>
+          <p:cNvPr id="12" name="Картина 11"/>
+          <p:cNvPicPr>
+            <a:picLocks noChangeAspect="1"/>
+          </p:cNvPicPr>
           <p:nvPr/>
-        </p:nvSpPr>
+        </p:nvPicPr>
+        <p:blipFill>
+          <a:blip r:embed="rId2">
+            <a:extLst>
+              <a:ext uri="{28A0092B-C50C-407E-A947-70E740481C1C}">
+                <a14:useLocalDpi xmlns:a14="http://schemas.microsoft.com/office/drawing/2010/main" val="0"/>
+              </a:ext>
+            </a:extLst>
+          </a:blip>
+          <a:stretch>
+            <a:fillRect/>
+          </a:stretch>
+        </p:blipFill>
         <p:spPr>
           <a:xfrm>
-            <a:off x="-1476672" y="4653136"/>
-            <a:ext cx="10729192" cy="1152128"/>
+            <a:off x="1043608" y="1381273"/>
+            <a:ext cx="6840760" cy="3847927"/>
           </a:xfrm>
           <a:prstGeom prst="rect">
             <a:avLst/>
           </a:prstGeom>
+          <a:scene3d>
+            <a:camera prst="orthographicFront">
+              <a:rot lat="0" lon="0" rev="1200000"/>
+            </a:camera>
+            <a:lightRig rig="threePt" dir="t"/>
+          </a:scene3d>
         </p:spPr>
-        <p:txBody>
-          <a:bodyPr vert="horz" lIns="91440" tIns="45720" rIns="91440" bIns="45720" rtlCol="0">
-            <a:normAutofit/>
-          </a:bodyPr>
-          <a:lstStyle>
-            <a:lvl1pPr marL="342900" indent="-342900" algn="l" defTabSz="914400" rtl="0" eaLnBrk="1" latinLnBrk="0" hangingPunct="1">
-              <a:spcBef>
-                <a:spcPct val="20000"/>
-              </a:spcBef>
-              <a:buFont typeface="Arial" panose="020B0604020202020204" pitchFamily="34" charset="0"/>
-              <a:buChar char="•"/>
-              <a:defRPr sz="3200" kern="1200">
-                <a:solidFill>
-                  <a:schemeClr val="tx1"/>
-                </a:solidFill>
-                <a:latin typeface="+mn-lt"/>
-                <a:ea typeface="+mn-ea"/>
-                <a:cs typeface="+mn-cs"/>
-              </a:defRPr>
-            </a:lvl1pPr>
-            <a:lvl2pPr marL="742950" indent="-285750" algn="l" defTabSz="914400" rtl="0" eaLnBrk="1" latinLnBrk="0" hangingPunct="1">
-              <a:spcBef>
-                <a:spcPct val="20000"/>
-              </a:spcBef>
-              <a:buFont typeface="Arial" panose="020B0604020202020204" pitchFamily="34" charset="0"/>
-              <a:buChar char="–"/>
-              <a:defRPr sz="2800" kern="1200">
-                <a:solidFill>
-                  <a:schemeClr val="tx1"/>
-                </a:solidFill>
-                <a:latin typeface="+mn-lt"/>
-                <a:ea typeface="+mn-ea"/>
-                <a:cs typeface="+mn-cs"/>
-              </a:defRPr>
-            </a:lvl2pPr>
-            <a:lvl3pPr marL="1143000" indent="-228600" algn="l" defTabSz="914400" rtl="0" eaLnBrk="1" latinLnBrk="0" hangingPunct="1">
-              <a:spcBef>
-                <a:spcPct val="20000"/>
-              </a:spcBef>
-              <a:buFont typeface="Arial" panose="020B0604020202020204" pitchFamily="34" charset="0"/>
-              <a:buChar char="•"/>
-              <a:defRPr sz="2400" kern="1200">
-                <a:solidFill>
-                  <a:schemeClr val="tx1"/>
-                </a:solidFill>
-                <a:latin typeface="+mn-lt"/>
-                <a:ea typeface="+mn-ea"/>
-                <a:cs typeface="+mn-cs"/>
-              </a:defRPr>
-            </a:lvl3pPr>
-            <a:lvl4pPr marL="1600200" indent="-228600" algn="l" defTabSz="914400" rtl="0" eaLnBrk="1" latinLnBrk="0" hangingPunct="1">
-              <a:spcBef>
-                <a:spcPct val="20000"/>
-              </a:spcBef>
-              <a:buFont typeface="Arial" panose="020B0604020202020204" pitchFamily="34" charset="0"/>
-              <a:buChar char="–"/>
-              <a:defRPr sz="2000" kern="1200">
-                <a:solidFill>
-                  <a:schemeClr val="tx1"/>
-                </a:solidFill>
-                <a:latin typeface="+mn-lt"/>
-                <a:ea typeface="+mn-ea"/>
-                <a:cs typeface="+mn-cs"/>
-              </a:defRPr>
-            </a:lvl4pPr>
-            <a:lvl5pPr marL="2057400" indent="-228600" algn="l" defTabSz="914400" rtl="0" eaLnBrk="1" latinLnBrk="0" hangingPunct="1">
-              <a:spcBef>
-                <a:spcPct val="20000"/>
-              </a:spcBef>
-              <a:buFont typeface="Arial" panose="020B0604020202020204" pitchFamily="34" charset="0"/>
-              <a:buChar char="»"/>
-              <a:defRPr sz="2000" kern="1200">
-                <a:solidFill>
-                  <a:schemeClr val="tx1"/>
-                </a:solidFill>
-                <a:latin typeface="+mn-lt"/>
-                <a:ea typeface="+mn-ea"/>
-                <a:cs typeface="+mn-cs"/>
-              </a:defRPr>
-            </a:lvl5pPr>
-            <a:lvl6pPr marL="2514600" indent="-228600" algn="l" defTabSz="914400" rtl="0" eaLnBrk="1" latinLnBrk="0" hangingPunct="1">
-              <a:spcBef>
-                <a:spcPct val="20000"/>
-              </a:spcBef>
-              <a:buFont typeface="Arial" panose="020B0604020202020204" pitchFamily="34" charset="0"/>
-              <a:buChar char="•"/>
-              <a:defRPr sz="2000" kern="1200">
-                <a:solidFill>
-                  <a:schemeClr val="tx1"/>
-                </a:solidFill>
-                <a:latin typeface="+mn-lt"/>
-                <a:ea typeface="+mn-ea"/>
-                <a:cs typeface="+mn-cs"/>
-              </a:defRPr>
-            </a:lvl6pPr>
-            <a:lvl7pPr marL="2971800" indent="-228600" algn="l" defTabSz="914400" rtl="0" eaLnBrk="1" latinLnBrk="0" hangingPunct="1">
-              <a:spcBef>
-                <a:spcPct val="20000"/>
-              </a:spcBef>
-              <a:buFont typeface="Arial" panose="020B0604020202020204" pitchFamily="34" charset="0"/>
-              <a:buChar char="•"/>
-              <a:defRPr sz="2000" kern="1200">
-                <a:solidFill>
-                  <a:schemeClr val="tx1"/>
-                </a:solidFill>
-                <a:latin typeface="+mn-lt"/>
-                <a:ea typeface="+mn-ea"/>
-                <a:cs typeface="+mn-cs"/>
-              </a:defRPr>
-            </a:lvl7pPr>
-            <a:lvl8pPr marL="3429000" indent="-228600" algn="l" defTabSz="914400" rtl="0" eaLnBrk="1" latinLnBrk="0" hangingPunct="1">
-              <a:spcBef>
-                <a:spcPct val="20000"/>
-              </a:spcBef>
-              <a:buFont typeface="Arial" panose="020B0604020202020204" pitchFamily="34" charset="0"/>
-              <a:buChar char="•"/>
-              <a:defRPr sz="2000" kern="1200">
-                <a:solidFill>
-                  <a:schemeClr val="tx1"/>
-                </a:solidFill>
-                <a:latin typeface="+mn-lt"/>
-                <a:ea typeface="+mn-ea"/>
-                <a:cs typeface="+mn-cs"/>
-              </a:defRPr>
-            </a:lvl8pPr>
-            <a:lvl9pPr marL="3886200" indent="-228600" algn="l" defTabSz="914400" rtl="0" eaLnBrk="1" latinLnBrk="0" hangingPunct="1">
-              <a:spcBef>
-                <a:spcPct val="20000"/>
-              </a:spcBef>
-              <a:buFont typeface="Arial" panose="020B0604020202020204" pitchFamily="34" charset="0"/>
-              <a:buChar char="•"/>
-              <a:defRPr sz="2000" kern="1200">
-                <a:solidFill>
-                  <a:schemeClr val="tx1"/>
-                </a:solidFill>
-                <a:latin typeface="+mn-lt"/>
-                <a:ea typeface="+mn-ea"/>
-                <a:cs typeface="+mn-cs"/>
-              </a:defRPr>
-            </a:lvl9pPr>
-          </a:lstStyle>
-          <a:p>
-            <a:pPr marL="0" indent="0" algn="r">
-              <a:buNone/>
-            </a:pPr>
-            <a:r>
-              <a:rPr lang="en-US" sz="4000" dirty="0" smtClean="0">
-                <a:solidFill>
-                  <a:schemeClr val="tx2">
-                    <a:lumMod val="60000"/>
-                    <a:lumOff val="40000"/>
-                  </a:schemeClr>
-                </a:solidFill>
-                <a:latin typeface="Century Gothic" panose="020B0502020202020204" pitchFamily="34" charset="0"/>
-              </a:rPr>
-              <a:t>?????</a:t>
-            </a:r>
-          </a:p>
-        </p:txBody>
-      </p:sp>
-      <p:sp>
-        <p:nvSpPr>
-          <p:cNvPr id="7" name="Заглавие 1"/>
-          <p:cNvSpPr txBox="1">
-            <a:spLocks/>
-          </p:cNvSpPr>
-          <p:nvPr/>
-        </p:nvSpPr>
-        <p:spPr>
-          <a:xfrm>
-            <a:off x="-159114" y="908720"/>
-            <a:ext cx="9721080" cy="2376264"/>
-          </a:xfrm>
-          <a:prstGeom prst="rect">
-            <a:avLst/>
-          </a:prstGeom>
-        </p:spPr>
-        <p:txBody>
-          <a:bodyPr vert="horz" lIns="91440" tIns="45720" rIns="91440" bIns="45720" rtlCol="0" anchor="ctr">
-            <a:noAutofit/>
-          </a:bodyPr>
-          <a:lstStyle>
-            <a:lvl1pPr algn="ctr" defTabSz="914400" rtl="0" eaLnBrk="1" latinLnBrk="0" hangingPunct="1">
-              <a:spcBef>
-                <a:spcPct val="0"/>
-              </a:spcBef>
-              <a:buNone/>
-              <a:defRPr sz="4400" kern="1200">
-                <a:solidFill>
-                  <a:schemeClr val="tx1"/>
-                </a:solidFill>
-                <a:latin typeface="+mj-lt"/>
-                <a:ea typeface="+mj-ea"/>
-                <a:cs typeface="+mj-cs"/>
-              </a:defRPr>
-            </a:lvl1pPr>
-          </a:lstStyle>
-          <a:p>
-            <a:pPr algn="l"/>
-            <a:r>
-              <a:rPr lang="en-US" sz="9100" b="1" dirty="0" smtClean="0">
-                <a:solidFill>
-                  <a:schemeClr val="tx2">
-                    <a:lumMod val="60000"/>
-                    <a:lumOff val="40000"/>
-                  </a:schemeClr>
-                </a:solidFill>
-                <a:latin typeface="Century Gothic" panose="020B0502020202020204" pitchFamily="34" charset="0"/>
-              </a:rPr>
-              <a:t>Questions</a:t>
-            </a:r>
-            <a:endParaRPr lang="bg-BG" sz="9100" b="1" dirty="0">
-              <a:solidFill>
-                <a:schemeClr val="tx2">
-                  <a:lumMod val="60000"/>
-                  <a:lumOff val="40000"/>
-                </a:schemeClr>
-              </a:solidFill>
-              <a:latin typeface="Century Gothic" panose="020B0502020202020204" pitchFamily="34" charset="0"/>
-            </a:endParaRPr>
-          </a:p>
-        </p:txBody>
-      </p:sp>
+      </p:pic>
     </p:spTree>
     <p:extLst>
       <p:ext uri="{BB962C8B-B14F-4D97-AF65-F5344CB8AC3E}">
-        <p14:creationId xmlns:p14="http://schemas.microsoft.com/office/powerpoint/2010/main" val="1246897087"/>
+        <p14:creationId xmlns:p14="http://schemas.microsoft.com/office/powerpoint/2010/main" val="883502004"/>
       </p:ext>
     </p:extLst>
   </p:cSld>
@@ -3603,7 +3385,326 @@
   <p:timing>
     <p:tnLst>
       <p:par>
-        <p:cTn id="1" dur="indefinite" restart="never" nodeType="tmRoot"/>
+        <p:cTn id="1" dur="indefinite" restart="never" nodeType="tmRoot">
+          <p:childTnLst>
+            <p:seq concurrent="1" nextAc="seek">
+              <p:cTn id="2" dur="indefinite" nodeType="mainSeq">
+                <p:childTnLst>
+                  <p:par>
+                    <p:cTn id="3" fill="hold">
+                      <p:stCondLst>
+                        <p:cond delay="indefinite"/>
+                      </p:stCondLst>
+                      <p:childTnLst>
+                        <p:par>
+                          <p:cTn id="4" fill="hold">
+                            <p:stCondLst>
+                              <p:cond delay="0"/>
+                            </p:stCondLst>
+                            <p:childTnLst>
+                              <p:par>
+                                <p:cTn id="5" presetID="26" presetClass="entr" presetSubtype="0" fill="hold" nodeType="clickEffect">
+                                  <p:stCondLst>
+                                    <p:cond delay="0"/>
+                                  </p:stCondLst>
+                                  <p:childTnLst>
+                                    <p:set>
+                                      <p:cBhvr>
+                                        <p:cTn id="6" dur="1" fill="hold">
+                                          <p:stCondLst>
+                                            <p:cond delay="0"/>
+                                          </p:stCondLst>
+                                        </p:cTn>
+                                        <p:tgtEl>
+                                          <p:spTgt spid="12"/>
+                                        </p:tgtEl>
+                                        <p:attrNameLst>
+                                          <p:attrName>style.visibility</p:attrName>
+                                        </p:attrNameLst>
+                                      </p:cBhvr>
+                                      <p:to>
+                                        <p:strVal val="visible"/>
+                                      </p:to>
+                                    </p:set>
+                                    <p:animEffect transition="in" filter="wipe(down)">
+                                      <p:cBhvr>
+                                        <p:cTn id="7" dur="580">
+                                          <p:stCondLst>
+                                            <p:cond delay="0"/>
+                                          </p:stCondLst>
+                                        </p:cTn>
+                                        <p:tgtEl>
+                                          <p:spTgt spid="12"/>
+                                        </p:tgtEl>
+                                      </p:cBhvr>
+                                    </p:animEffect>
+                                    <p:anim calcmode="lin" valueType="num">
+                                      <p:cBhvr>
+                                        <p:cTn id="8" dur="1822" tmFilter="0,0; 0.14,0.36; 0.43,0.73; 0.71,0.91; 1.0,1.0">
+                                          <p:stCondLst>
+                                            <p:cond delay="0"/>
+                                          </p:stCondLst>
+                                        </p:cTn>
+                                        <p:tgtEl>
+                                          <p:spTgt spid="12"/>
+                                        </p:tgtEl>
+                                        <p:attrNameLst>
+                                          <p:attrName>ppt_x</p:attrName>
+                                        </p:attrNameLst>
+                                      </p:cBhvr>
+                                      <p:tavLst>
+                                        <p:tav tm="0">
+                                          <p:val>
+                                            <p:strVal val="#ppt_x-0.25"/>
+                                          </p:val>
+                                        </p:tav>
+                                        <p:tav tm="100000">
+                                          <p:val>
+                                            <p:strVal val="#ppt_x"/>
+                                          </p:val>
+                                        </p:tav>
+                                      </p:tavLst>
+                                    </p:anim>
+                                    <p:anim calcmode="lin" valueType="num">
+                                      <p:cBhvr>
+                                        <p:cTn id="9" dur="664" tmFilter="0.0,0.0; 0.25,0.07; 0.50,0.2; 0.75,0.467; 1.0,1.0">
+                                          <p:stCondLst>
+                                            <p:cond delay="0"/>
+                                          </p:stCondLst>
+                                        </p:cTn>
+                                        <p:tgtEl>
+                                          <p:spTgt spid="12"/>
+                                        </p:tgtEl>
+                                        <p:attrNameLst>
+                                          <p:attrName>ppt_y</p:attrName>
+                                        </p:attrNameLst>
+                                      </p:cBhvr>
+                                      <p:tavLst>
+                                        <p:tav tm="0" fmla="#ppt_y-sin(pi*$)/3">
+                                          <p:val>
+                                            <p:fltVal val="0.5"/>
+                                          </p:val>
+                                        </p:tav>
+                                        <p:tav tm="100000">
+                                          <p:val>
+                                            <p:fltVal val="1"/>
+                                          </p:val>
+                                        </p:tav>
+                                      </p:tavLst>
+                                    </p:anim>
+                                    <p:anim calcmode="lin" valueType="num">
+                                      <p:cBhvr>
+                                        <p:cTn id="10" dur="664" tmFilter="0, 0; 0.125,0.2665; 0.25,0.4; 0.375,0.465; 0.5,0.5;  0.625,0.535; 0.75,0.6; 0.875,0.7335; 1,1">
+                                          <p:stCondLst>
+                                            <p:cond delay="664"/>
+                                          </p:stCondLst>
+                                        </p:cTn>
+                                        <p:tgtEl>
+                                          <p:spTgt spid="12"/>
+                                        </p:tgtEl>
+                                        <p:attrNameLst>
+                                          <p:attrName>ppt_y</p:attrName>
+                                        </p:attrNameLst>
+                                      </p:cBhvr>
+                                      <p:tavLst>
+                                        <p:tav tm="0" fmla="#ppt_y-sin(pi*$)/9">
+                                          <p:val>
+                                            <p:fltVal val="0"/>
+                                          </p:val>
+                                        </p:tav>
+                                        <p:tav tm="100000">
+                                          <p:val>
+                                            <p:fltVal val="1"/>
+                                          </p:val>
+                                        </p:tav>
+                                      </p:tavLst>
+                                    </p:anim>
+                                    <p:anim calcmode="lin" valueType="num">
+                                      <p:cBhvr>
+                                        <p:cTn id="11" dur="332" tmFilter="0, 0; 0.125,0.2665; 0.25,0.4; 0.375,0.465; 0.5,0.5;  0.625,0.535; 0.75,0.6; 0.875,0.7335; 1,1">
+                                          <p:stCondLst>
+                                            <p:cond delay="1324"/>
+                                          </p:stCondLst>
+                                        </p:cTn>
+                                        <p:tgtEl>
+                                          <p:spTgt spid="12"/>
+                                        </p:tgtEl>
+                                        <p:attrNameLst>
+                                          <p:attrName>ppt_y</p:attrName>
+                                        </p:attrNameLst>
+                                      </p:cBhvr>
+                                      <p:tavLst>
+                                        <p:tav tm="0" fmla="#ppt_y-sin(pi*$)/27">
+                                          <p:val>
+                                            <p:fltVal val="0"/>
+                                          </p:val>
+                                        </p:tav>
+                                        <p:tav tm="100000">
+                                          <p:val>
+                                            <p:fltVal val="1"/>
+                                          </p:val>
+                                        </p:tav>
+                                      </p:tavLst>
+                                    </p:anim>
+                                    <p:anim calcmode="lin" valueType="num">
+                                      <p:cBhvr>
+                                        <p:cTn id="12" dur="164" tmFilter="0, 0; 0.125,0.2665; 0.25,0.4; 0.375,0.465; 0.5,0.5;  0.625,0.535; 0.75,0.6; 0.875,0.7335; 1,1">
+                                          <p:stCondLst>
+                                            <p:cond delay="1656"/>
+                                          </p:stCondLst>
+                                        </p:cTn>
+                                        <p:tgtEl>
+                                          <p:spTgt spid="12"/>
+                                        </p:tgtEl>
+                                        <p:attrNameLst>
+                                          <p:attrName>ppt_y</p:attrName>
+                                        </p:attrNameLst>
+                                      </p:cBhvr>
+                                      <p:tavLst>
+                                        <p:tav tm="0" fmla="#ppt_y-sin(pi*$)/81">
+                                          <p:val>
+                                            <p:fltVal val="0"/>
+                                          </p:val>
+                                        </p:tav>
+                                        <p:tav tm="100000">
+                                          <p:val>
+                                            <p:fltVal val="1"/>
+                                          </p:val>
+                                        </p:tav>
+                                      </p:tavLst>
+                                    </p:anim>
+                                    <p:animScale>
+                                      <p:cBhvr>
+                                        <p:cTn id="13" dur="26">
+                                          <p:stCondLst>
+                                            <p:cond delay="650"/>
+                                          </p:stCondLst>
+                                        </p:cTn>
+                                        <p:tgtEl>
+                                          <p:spTgt spid="12"/>
+                                        </p:tgtEl>
+                                      </p:cBhvr>
+                                      <p:to x="100000" y="60000"/>
+                                    </p:animScale>
+                                    <p:animScale>
+                                      <p:cBhvr>
+                                        <p:cTn id="14" dur="166" decel="50000">
+                                          <p:stCondLst>
+                                            <p:cond delay="676"/>
+                                          </p:stCondLst>
+                                        </p:cTn>
+                                        <p:tgtEl>
+                                          <p:spTgt spid="12"/>
+                                        </p:tgtEl>
+                                      </p:cBhvr>
+                                      <p:to x="100000" y="100000"/>
+                                    </p:animScale>
+                                    <p:animScale>
+                                      <p:cBhvr>
+                                        <p:cTn id="15" dur="26">
+                                          <p:stCondLst>
+                                            <p:cond delay="1312"/>
+                                          </p:stCondLst>
+                                        </p:cTn>
+                                        <p:tgtEl>
+                                          <p:spTgt spid="12"/>
+                                        </p:tgtEl>
+                                      </p:cBhvr>
+                                      <p:to x="100000" y="80000"/>
+                                    </p:animScale>
+                                    <p:animScale>
+                                      <p:cBhvr>
+                                        <p:cTn id="16" dur="166" decel="50000">
+                                          <p:stCondLst>
+                                            <p:cond delay="1338"/>
+                                          </p:stCondLst>
+                                        </p:cTn>
+                                        <p:tgtEl>
+                                          <p:spTgt spid="12"/>
+                                        </p:tgtEl>
+                                      </p:cBhvr>
+                                      <p:to x="100000" y="100000"/>
+                                    </p:animScale>
+                                    <p:animScale>
+                                      <p:cBhvr>
+                                        <p:cTn id="17" dur="26">
+                                          <p:stCondLst>
+                                            <p:cond delay="1642"/>
+                                          </p:stCondLst>
+                                        </p:cTn>
+                                        <p:tgtEl>
+                                          <p:spTgt spid="12"/>
+                                        </p:tgtEl>
+                                      </p:cBhvr>
+                                      <p:to x="100000" y="90000"/>
+                                    </p:animScale>
+                                    <p:animScale>
+                                      <p:cBhvr>
+                                        <p:cTn id="18" dur="166" decel="50000">
+                                          <p:stCondLst>
+                                            <p:cond delay="1668"/>
+                                          </p:stCondLst>
+                                        </p:cTn>
+                                        <p:tgtEl>
+                                          <p:spTgt spid="12"/>
+                                        </p:tgtEl>
+                                      </p:cBhvr>
+                                      <p:to x="100000" y="100000"/>
+                                    </p:animScale>
+                                    <p:animScale>
+                                      <p:cBhvr>
+                                        <p:cTn id="19" dur="26">
+                                          <p:stCondLst>
+                                            <p:cond delay="1808"/>
+                                          </p:stCondLst>
+                                        </p:cTn>
+                                        <p:tgtEl>
+                                          <p:spTgt spid="12"/>
+                                        </p:tgtEl>
+                                      </p:cBhvr>
+                                      <p:to x="100000" y="95000"/>
+                                    </p:animScale>
+                                    <p:animScale>
+                                      <p:cBhvr>
+                                        <p:cTn id="20" dur="166" decel="50000">
+                                          <p:stCondLst>
+                                            <p:cond delay="1834"/>
+                                          </p:stCondLst>
+                                        </p:cTn>
+                                        <p:tgtEl>
+                                          <p:spTgt spid="12"/>
+                                        </p:tgtEl>
+                                      </p:cBhvr>
+                                      <p:to x="100000" y="100000"/>
+                                    </p:animScale>
+                                  </p:childTnLst>
+                                </p:cTn>
+                              </p:par>
+                            </p:childTnLst>
+                          </p:cTn>
+                        </p:par>
+                      </p:childTnLst>
+                    </p:cTn>
+                  </p:par>
+                </p:childTnLst>
+              </p:cTn>
+              <p:prevCondLst>
+                <p:cond evt="onPrev" delay="0">
+                  <p:tgtEl>
+                    <p:sldTgt/>
+                  </p:tgtEl>
+                </p:cond>
+              </p:prevCondLst>
+              <p:nextCondLst>
+                <p:cond evt="onNext" delay="0">
+                  <p:tgtEl>
+                    <p:sldTgt/>
+                  </p:tgtEl>
+                </p:cond>
+              </p:nextCondLst>
+            </p:seq>
+          </p:childTnLst>
+        </p:cTn>
       </p:par>
     </p:tnLst>
   </p:timing>
@@ -3638,7 +3739,7 @@
         <p:spPr>
           <a:xfrm>
             <a:off x="-1476672" y="4653136"/>
-            <a:ext cx="10729192" cy="1152128"/>
+            <a:ext cx="10729192" cy="2304256"/>
           </a:xfrm>
           <a:prstGeom prst="rect">
             <a:avLst/>
@@ -3790,7 +3891,7 @@
               <a:buNone/>
             </a:pPr>
             <a:r>
-              <a:rPr lang="en-US" sz="4000" dirty="0" smtClean="0">
+              <a:rPr lang="en-US" sz="3600" dirty="0" smtClean="0">
                 <a:solidFill>
                   <a:schemeClr val="tx2">
                     <a:lumMod val="60000"/>
@@ -3799,9 +3900,21 @@
                 </a:solidFill>
                 <a:latin typeface="Century Gothic" panose="020B0502020202020204" pitchFamily="34" charset="0"/>
               </a:rPr>
-              <a:t>For the great Teamwork Assignment</a:t>
-            </a:r>
-            <a:endParaRPr lang="en-US" sz="4000" dirty="0" smtClean="0">
+              <a:t>#</a:t>
+            </a:r>
+            <a:r>
+              <a:rPr lang="en-US" sz="3600" dirty="0" err="1" smtClean="0">
+                <a:solidFill>
+                  <a:schemeClr val="tx2">
+                    <a:lumMod val="60000"/>
+                    <a:lumOff val="40000"/>
+                  </a:schemeClr>
+                </a:solidFill>
+                <a:latin typeface="Century Gothic" panose="020B0502020202020204" pitchFamily="34" charset="0"/>
+              </a:rPr>
+              <a:t>connectionString</a:t>
+            </a:r>
+            <a:endParaRPr lang="bg-BG" sz="3600" dirty="0" smtClean="0">
               <a:solidFill>
                 <a:schemeClr val="tx2">
                   <a:lumMod val="60000"/>
@@ -3810,6 +3923,560 @@
               </a:solidFill>
               <a:latin typeface="Century Gothic" panose="020B0502020202020204" pitchFamily="34" charset="0"/>
             </a:endParaRPr>
+          </a:p>
+        </p:txBody>
+      </p:sp>
+      <p:sp>
+        <p:nvSpPr>
+          <p:cNvPr id="7" name="Заглавие 1"/>
+          <p:cNvSpPr txBox="1">
+            <a:spLocks/>
+          </p:cNvSpPr>
+          <p:nvPr/>
+        </p:nvSpPr>
+        <p:spPr>
+          <a:xfrm>
+            <a:off x="-180528" y="908720"/>
+            <a:ext cx="9721080" cy="2376264"/>
+          </a:xfrm>
+          <a:prstGeom prst="rect">
+            <a:avLst/>
+          </a:prstGeom>
+        </p:spPr>
+        <p:txBody>
+          <a:bodyPr vert="horz" lIns="91440" tIns="45720" rIns="91440" bIns="45720" rtlCol="0" anchor="ctr">
+            <a:noAutofit/>
+          </a:bodyPr>
+          <a:lstStyle>
+            <a:lvl1pPr algn="ctr" defTabSz="914400" rtl="0" eaLnBrk="1" latinLnBrk="0" hangingPunct="1">
+              <a:spcBef>
+                <a:spcPct val="0"/>
+              </a:spcBef>
+              <a:buNone/>
+              <a:defRPr sz="4400" kern="1200">
+                <a:solidFill>
+                  <a:schemeClr val="tx1"/>
+                </a:solidFill>
+                <a:latin typeface="+mj-lt"/>
+                <a:ea typeface="+mj-ea"/>
+                <a:cs typeface="+mj-cs"/>
+              </a:defRPr>
+            </a:lvl1pPr>
+          </a:lstStyle>
+          <a:p>
+            <a:pPr algn="l"/>
+            <a:r>
+              <a:rPr lang="en-US" sz="9100" b="1" dirty="0" err="1" smtClean="0">
+                <a:solidFill>
+                  <a:schemeClr val="tx2">
+                    <a:lumMod val="60000"/>
+                    <a:lumOff val="40000"/>
+                  </a:schemeClr>
+                </a:solidFill>
+                <a:latin typeface="Century Gothic" panose="020B0502020202020204" pitchFamily="34" charset="0"/>
+              </a:rPr>
+              <a:t>AllItTakes</a:t>
+            </a:r>
+            <a:endParaRPr lang="bg-BG" sz="9100" b="1" dirty="0">
+              <a:solidFill>
+                <a:schemeClr val="tx2">
+                  <a:lumMod val="60000"/>
+                  <a:lumOff val="40000"/>
+                </a:schemeClr>
+              </a:solidFill>
+              <a:latin typeface="Century Gothic" panose="020B0502020202020204" pitchFamily="34" charset="0"/>
+            </a:endParaRPr>
+          </a:p>
+        </p:txBody>
+      </p:sp>
+    </p:spTree>
+    <p:extLst>
+      <p:ext uri="{BB962C8B-B14F-4D97-AF65-F5344CB8AC3E}">
+        <p14:creationId xmlns:p14="http://schemas.microsoft.com/office/powerpoint/2010/main" val="1360135372"/>
+      </p:ext>
+    </p:extLst>
+  </p:cSld>
+  <p:clrMapOvr>
+    <a:masterClrMapping/>
+  </p:clrMapOvr>
+  <p:timing>
+    <p:tnLst>
+      <p:par>
+        <p:cTn id="1" dur="indefinite" restart="never" nodeType="tmRoot"/>
+      </p:par>
+    </p:tnLst>
+  </p:timing>
+</p:sld>
+</file>
+
+<file path=ppt/slides/slide12.xml><?xml version="1.0" encoding="utf-8"?>
+<p:sld xmlns:a="http://schemas.openxmlformats.org/drawingml/2006/main" xmlns:r="http://schemas.openxmlformats.org/officeDocument/2006/relationships" xmlns:p="http://schemas.openxmlformats.org/presentationml/2006/main">
+  <p:cSld>
+    <p:spTree>
+      <p:nvGrpSpPr>
+        <p:cNvPr id="1" name=""/>
+        <p:cNvGrpSpPr/>
+        <p:nvPr/>
+      </p:nvGrpSpPr>
+      <p:grpSpPr>
+        <a:xfrm>
+          <a:off x="0" y="0"/>
+          <a:ext cx="0" cy="0"/>
+          <a:chOff x="0" y="0"/>
+          <a:chExt cx="0" cy="0"/>
+        </a:xfrm>
+      </p:grpSpPr>
+      <p:sp>
+        <p:nvSpPr>
+          <p:cNvPr id="4" name="Подзаглавие 2"/>
+          <p:cNvSpPr txBox="1">
+            <a:spLocks/>
+          </p:cNvSpPr>
+          <p:nvPr/>
+        </p:nvSpPr>
+        <p:spPr>
+          <a:xfrm>
+            <a:off x="-1476672" y="4653136"/>
+            <a:ext cx="10729192" cy="1152128"/>
+          </a:xfrm>
+          <a:prstGeom prst="rect">
+            <a:avLst/>
+          </a:prstGeom>
+        </p:spPr>
+        <p:txBody>
+          <a:bodyPr vert="horz" lIns="91440" tIns="45720" rIns="91440" bIns="45720" rtlCol="0">
+            <a:normAutofit/>
+          </a:bodyPr>
+          <a:lstStyle>
+            <a:lvl1pPr marL="342900" indent="-342900" algn="l" defTabSz="914400" rtl="0" eaLnBrk="1" latinLnBrk="0" hangingPunct="1">
+              <a:spcBef>
+                <a:spcPct val="20000"/>
+              </a:spcBef>
+              <a:buFont typeface="Arial" panose="020B0604020202020204" pitchFamily="34" charset="0"/>
+              <a:buChar char="•"/>
+              <a:defRPr sz="3200" kern="1200">
+                <a:solidFill>
+                  <a:schemeClr val="tx1"/>
+                </a:solidFill>
+                <a:latin typeface="+mn-lt"/>
+                <a:ea typeface="+mn-ea"/>
+                <a:cs typeface="+mn-cs"/>
+              </a:defRPr>
+            </a:lvl1pPr>
+            <a:lvl2pPr marL="742950" indent="-285750" algn="l" defTabSz="914400" rtl="0" eaLnBrk="1" latinLnBrk="0" hangingPunct="1">
+              <a:spcBef>
+                <a:spcPct val="20000"/>
+              </a:spcBef>
+              <a:buFont typeface="Arial" panose="020B0604020202020204" pitchFamily="34" charset="0"/>
+              <a:buChar char="–"/>
+              <a:defRPr sz="2800" kern="1200">
+                <a:solidFill>
+                  <a:schemeClr val="tx1"/>
+                </a:solidFill>
+                <a:latin typeface="+mn-lt"/>
+                <a:ea typeface="+mn-ea"/>
+                <a:cs typeface="+mn-cs"/>
+              </a:defRPr>
+            </a:lvl2pPr>
+            <a:lvl3pPr marL="1143000" indent="-228600" algn="l" defTabSz="914400" rtl="0" eaLnBrk="1" latinLnBrk="0" hangingPunct="1">
+              <a:spcBef>
+                <a:spcPct val="20000"/>
+              </a:spcBef>
+              <a:buFont typeface="Arial" panose="020B0604020202020204" pitchFamily="34" charset="0"/>
+              <a:buChar char="•"/>
+              <a:defRPr sz="2400" kern="1200">
+                <a:solidFill>
+                  <a:schemeClr val="tx1"/>
+                </a:solidFill>
+                <a:latin typeface="+mn-lt"/>
+                <a:ea typeface="+mn-ea"/>
+                <a:cs typeface="+mn-cs"/>
+              </a:defRPr>
+            </a:lvl3pPr>
+            <a:lvl4pPr marL="1600200" indent="-228600" algn="l" defTabSz="914400" rtl="0" eaLnBrk="1" latinLnBrk="0" hangingPunct="1">
+              <a:spcBef>
+                <a:spcPct val="20000"/>
+              </a:spcBef>
+              <a:buFont typeface="Arial" panose="020B0604020202020204" pitchFamily="34" charset="0"/>
+              <a:buChar char="–"/>
+              <a:defRPr sz="2000" kern="1200">
+                <a:solidFill>
+                  <a:schemeClr val="tx1"/>
+                </a:solidFill>
+                <a:latin typeface="+mn-lt"/>
+                <a:ea typeface="+mn-ea"/>
+                <a:cs typeface="+mn-cs"/>
+              </a:defRPr>
+            </a:lvl4pPr>
+            <a:lvl5pPr marL="2057400" indent="-228600" algn="l" defTabSz="914400" rtl="0" eaLnBrk="1" latinLnBrk="0" hangingPunct="1">
+              <a:spcBef>
+                <a:spcPct val="20000"/>
+              </a:spcBef>
+              <a:buFont typeface="Arial" panose="020B0604020202020204" pitchFamily="34" charset="0"/>
+              <a:buChar char="»"/>
+              <a:defRPr sz="2000" kern="1200">
+                <a:solidFill>
+                  <a:schemeClr val="tx1"/>
+                </a:solidFill>
+                <a:latin typeface="+mn-lt"/>
+                <a:ea typeface="+mn-ea"/>
+                <a:cs typeface="+mn-cs"/>
+              </a:defRPr>
+            </a:lvl5pPr>
+            <a:lvl6pPr marL="2514600" indent="-228600" algn="l" defTabSz="914400" rtl="0" eaLnBrk="1" latinLnBrk="0" hangingPunct="1">
+              <a:spcBef>
+                <a:spcPct val="20000"/>
+              </a:spcBef>
+              <a:buFont typeface="Arial" panose="020B0604020202020204" pitchFamily="34" charset="0"/>
+              <a:buChar char="•"/>
+              <a:defRPr sz="2000" kern="1200">
+                <a:solidFill>
+                  <a:schemeClr val="tx1"/>
+                </a:solidFill>
+                <a:latin typeface="+mn-lt"/>
+                <a:ea typeface="+mn-ea"/>
+                <a:cs typeface="+mn-cs"/>
+              </a:defRPr>
+            </a:lvl6pPr>
+            <a:lvl7pPr marL="2971800" indent="-228600" algn="l" defTabSz="914400" rtl="0" eaLnBrk="1" latinLnBrk="0" hangingPunct="1">
+              <a:spcBef>
+                <a:spcPct val="20000"/>
+              </a:spcBef>
+              <a:buFont typeface="Arial" panose="020B0604020202020204" pitchFamily="34" charset="0"/>
+              <a:buChar char="•"/>
+              <a:defRPr sz="2000" kern="1200">
+                <a:solidFill>
+                  <a:schemeClr val="tx1"/>
+                </a:solidFill>
+                <a:latin typeface="+mn-lt"/>
+                <a:ea typeface="+mn-ea"/>
+                <a:cs typeface="+mn-cs"/>
+              </a:defRPr>
+            </a:lvl7pPr>
+            <a:lvl8pPr marL="3429000" indent="-228600" algn="l" defTabSz="914400" rtl="0" eaLnBrk="1" latinLnBrk="0" hangingPunct="1">
+              <a:spcBef>
+                <a:spcPct val="20000"/>
+              </a:spcBef>
+              <a:buFont typeface="Arial" panose="020B0604020202020204" pitchFamily="34" charset="0"/>
+              <a:buChar char="•"/>
+              <a:defRPr sz="2000" kern="1200">
+                <a:solidFill>
+                  <a:schemeClr val="tx1"/>
+                </a:solidFill>
+                <a:latin typeface="+mn-lt"/>
+                <a:ea typeface="+mn-ea"/>
+                <a:cs typeface="+mn-cs"/>
+              </a:defRPr>
+            </a:lvl8pPr>
+            <a:lvl9pPr marL="3886200" indent="-228600" algn="l" defTabSz="914400" rtl="0" eaLnBrk="1" latinLnBrk="0" hangingPunct="1">
+              <a:spcBef>
+                <a:spcPct val="20000"/>
+              </a:spcBef>
+              <a:buFont typeface="Arial" panose="020B0604020202020204" pitchFamily="34" charset="0"/>
+              <a:buChar char="•"/>
+              <a:defRPr sz="2000" kern="1200">
+                <a:solidFill>
+                  <a:schemeClr val="tx1"/>
+                </a:solidFill>
+                <a:latin typeface="+mn-lt"/>
+                <a:ea typeface="+mn-ea"/>
+                <a:cs typeface="+mn-cs"/>
+              </a:defRPr>
+            </a:lvl9pPr>
+          </a:lstStyle>
+          <a:p>
+            <a:pPr marL="0" indent="0" algn="r">
+              <a:buNone/>
+            </a:pPr>
+            <a:r>
+              <a:rPr lang="en-US" sz="4000" dirty="0" smtClean="0">
+                <a:solidFill>
+                  <a:schemeClr val="tx2">
+                    <a:lumMod val="60000"/>
+                    <a:lumOff val="40000"/>
+                  </a:schemeClr>
+                </a:solidFill>
+                <a:latin typeface="Century Gothic" panose="020B0502020202020204" pitchFamily="34" charset="0"/>
+              </a:rPr>
+              <a:t>?????</a:t>
+            </a:r>
+          </a:p>
+        </p:txBody>
+      </p:sp>
+      <p:sp>
+        <p:nvSpPr>
+          <p:cNvPr id="7" name="Заглавие 1"/>
+          <p:cNvSpPr txBox="1">
+            <a:spLocks/>
+          </p:cNvSpPr>
+          <p:nvPr/>
+        </p:nvSpPr>
+        <p:spPr>
+          <a:xfrm>
+            <a:off x="-159114" y="908720"/>
+            <a:ext cx="9721080" cy="2376264"/>
+          </a:xfrm>
+          <a:prstGeom prst="rect">
+            <a:avLst/>
+          </a:prstGeom>
+        </p:spPr>
+        <p:txBody>
+          <a:bodyPr vert="horz" lIns="91440" tIns="45720" rIns="91440" bIns="45720" rtlCol="0" anchor="ctr">
+            <a:noAutofit/>
+          </a:bodyPr>
+          <a:lstStyle>
+            <a:lvl1pPr algn="ctr" defTabSz="914400" rtl="0" eaLnBrk="1" latinLnBrk="0" hangingPunct="1">
+              <a:spcBef>
+                <a:spcPct val="0"/>
+              </a:spcBef>
+              <a:buNone/>
+              <a:defRPr sz="4400" kern="1200">
+                <a:solidFill>
+                  <a:schemeClr val="tx1"/>
+                </a:solidFill>
+                <a:latin typeface="+mj-lt"/>
+                <a:ea typeface="+mj-ea"/>
+                <a:cs typeface="+mj-cs"/>
+              </a:defRPr>
+            </a:lvl1pPr>
+          </a:lstStyle>
+          <a:p>
+            <a:pPr algn="l"/>
+            <a:r>
+              <a:rPr lang="en-US" sz="9100" b="1" dirty="0" smtClean="0">
+                <a:solidFill>
+                  <a:schemeClr val="tx2">
+                    <a:lumMod val="60000"/>
+                    <a:lumOff val="40000"/>
+                  </a:schemeClr>
+                </a:solidFill>
+                <a:latin typeface="Century Gothic" panose="020B0502020202020204" pitchFamily="34" charset="0"/>
+              </a:rPr>
+              <a:t>Questions</a:t>
+            </a:r>
+            <a:endParaRPr lang="bg-BG" sz="9100" b="1" dirty="0">
+              <a:solidFill>
+                <a:schemeClr val="tx2">
+                  <a:lumMod val="60000"/>
+                  <a:lumOff val="40000"/>
+                </a:schemeClr>
+              </a:solidFill>
+              <a:latin typeface="Century Gothic" panose="020B0502020202020204" pitchFamily="34" charset="0"/>
+            </a:endParaRPr>
+          </a:p>
+        </p:txBody>
+      </p:sp>
+    </p:spTree>
+    <p:extLst>
+      <p:ext uri="{BB962C8B-B14F-4D97-AF65-F5344CB8AC3E}">
+        <p14:creationId xmlns:p14="http://schemas.microsoft.com/office/powerpoint/2010/main" val="1246897087"/>
+      </p:ext>
+    </p:extLst>
+  </p:cSld>
+  <p:clrMapOvr>
+    <a:masterClrMapping/>
+  </p:clrMapOvr>
+  <p:timing>
+    <p:tnLst>
+      <p:par>
+        <p:cTn id="1" dur="indefinite" restart="never" nodeType="tmRoot"/>
+      </p:par>
+    </p:tnLst>
+  </p:timing>
+</p:sld>
+</file>
+
+<file path=ppt/slides/slide13.xml><?xml version="1.0" encoding="utf-8"?>
+<p:sld xmlns:a="http://schemas.openxmlformats.org/drawingml/2006/main" xmlns:r="http://schemas.openxmlformats.org/officeDocument/2006/relationships" xmlns:p="http://schemas.openxmlformats.org/presentationml/2006/main">
+  <p:cSld>
+    <p:spTree>
+      <p:nvGrpSpPr>
+        <p:cNvPr id="1" name=""/>
+        <p:cNvGrpSpPr/>
+        <p:nvPr/>
+      </p:nvGrpSpPr>
+      <p:grpSpPr>
+        <a:xfrm>
+          <a:off x="0" y="0"/>
+          <a:ext cx="0" cy="0"/>
+          <a:chOff x="0" y="0"/>
+          <a:chExt cx="0" cy="0"/>
+        </a:xfrm>
+      </p:grpSpPr>
+      <p:sp>
+        <p:nvSpPr>
+          <p:cNvPr id="4" name="Подзаглавие 2"/>
+          <p:cNvSpPr txBox="1">
+            <a:spLocks/>
+          </p:cNvSpPr>
+          <p:nvPr/>
+        </p:nvSpPr>
+        <p:spPr>
+          <a:xfrm>
+            <a:off x="-1476672" y="4653136"/>
+            <a:ext cx="10729192" cy="1152128"/>
+          </a:xfrm>
+          <a:prstGeom prst="rect">
+            <a:avLst/>
+          </a:prstGeom>
+        </p:spPr>
+        <p:txBody>
+          <a:bodyPr vert="horz" lIns="91440" tIns="45720" rIns="91440" bIns="45720" rtlCol="0">
+            <a:normAutofit/>
+          </a:bodyPr>
+          <a:lstStyle>
+            <a:lvl1pPr marL="342900" indent="-342900" algn="l" defTabSz="914400" rtl="0" eaLnBrk="1" latinLnBrk="0" hangingPunct="1">
+              <a:spcBef>
+                <a:spcPct val="20000"/>
+              </a:spcBef>
+              <a:buFont typeface="Arial" panose="020B0604020202020204" pitchFamily="34" charset="0"/>
+              <a:buChar char="•"/>
+              <a:defRPr sz="3200" kern="1200">
+                <a:solidFill>
+                  <a:schemeClr val="tx1"/>
+                </a:solidFill>
+                <a:latin typeface="+mn-lt"/>
+                <a:ea typeface="+mn-ea"/>
+                <a:cs typeface="+mn-cs"/>
+              </a:defRPr>
+            </a:lvl1pPr>
+            <a:lvl2pPr marL="742950" indent="-285750" algn="l" defTabSz="914400" rtl="0" eaLnBrk="1" latinLnBrk="0" hangingPunct="1">
+              <a:spcBef>
+                <a:spcPct val="20000"/>
+              </a:spcBef>
+              <a:buFont typeface="Arial" panose="020B0604020202020204" pitchFamily="34" charset="0"/>
+              <a:buChar char="–"/>
+              <a:defRPr sz="2800" kern="1200">
+                <a:solidFill>
+                  <a:schemeClr val="tx1"/>
+                </a:solidFill>
+                <a:latin typeface="+mn-lt"/>
+                <a:ea typeface="+mn-ea"/>
+                <a:cs typeface="+mn-cs"/>
+              </a:defRPr>
+            </a:lvl2pPr>
+            <a:lvl3pPr marL="1143000" indent="-228600" algn="l" defTabSz="914400" rtl="0" eaLnBrk="1" latinLnBrk="0" hangingPunct="1">
+              <a:spcBef>
+                <a:spcPct val="20000"/>
+              </a:spcBef>
+              <a:buFont typeface="Arial" panose="020B0604020202020204" pitchFamily="34" charset="0"/>
+              <a:buChar char="•"/>
+              <a:defRPr sz="2400" kern="1200">
+                <a:solidFill>
+                  <a:schemeClr val="tx1"/>
+                </a:solidFill>
+                <a:latin typeface="+mn-lt"/>
+                <a:ea typeface="+mn-ea"/>
+                <a:cs typeface="+mn-cs"/>
+              </a:defRPr>
+            </a:lvl3pPr>
+            <a:lvl4pPr marL="1600200" indent="-228600" algn="l" defTabSz="914400" rtl="0" eaLnBrk="1" latinLnBrk="0" hangingPunct="1">
+              <a:spcBef>
+                <a:spcPct val="20000"/>
+              </a:spcBef>
+              <a:buFont typeface="Arial" panose="020B0604020202020204" pitchFamily="34" charset="0"/>
+              <a:buChar char="–"/>
+              <a:defRPr sz="2000" kern="1200">
+                <a:solidFill>
+                  <a:schemeClr val="tx1"/>
+                </a:solidFill>
+                <a:latin typeface="+mn-lt"/>
+                <a:ea typeface="+mn-ea"/>
+                <a:cs typeface="+mn-cs"/>
+              </a:defRPr>
+            </a:lvl4pPr>
+            <a:lvl5pPr marL="2057400" indent="-228600" algn="l" defTabSz="914400" rtl="0" eaLnBrk="1" latinLnBrk="0" hangingPunct="1">
+              <a:spcBef>
+                <a:spcPct val="20000"/>
+              </a:spcBef>
+              <a:buFont typeface="Arial" panose="020B0604020202020204" pitchFamily="34" charset="0"/>
+              <a:buChar char="»"/>
+              <a:defRPr sz="2000" kern="1200">
+                <a:solidFill>
+                  <a:schemeClr val="tx1"/>
+                </a:solidFill>
+                <a:latin typeface="+mn-lt"/>
+                <a:ea typeface="+mn-ea"/>
+                <a:cs typeface="+mn-cs"/>
+              </a:defRPr>
+            </a:lvl5pPr>
+            <a:lvl6pPr marL="2514600" indent="-228600" algn="l" defTabSz="914400" rtl="0" eaLnBrk="1" latinLnBrk="0" hangingPunct="1">
+              <a:spcBef>
+                <a:spcPct val="20000"/>
+              </a:spcBef>
+              <a:buFont typeface="Arial" panose="020B0604020202020204" pitchFamily="34" charset="0"/>
+              <a:buChar char="•"/>
+              <a:defRPr sz="2000" kern="1200">
+                <a:solidFill>
+                  <a:schemeClr val="tx1"/>
+                </a:solidFill>
+                <a:latin typeface="+mn-lt"/>
+                <a:ea typeface="+mn-ea"/>
+                <a:cs typeface="+mn-cs"/>
+              </a:defRPr>
+            </a:lvl6pPr>
+            <a:lvl7pPr marL="2971800" indent="-228600" algn="l" defTabSz="914400" rtl="0" eaLnBrk="1" latinLnBrk="0" hangingPunct="1">
+              <a:spcBef>
+                <a:spcPct val="20000"/>
+              </a:spcBef>
+              <a:buFont typeface="Arial" panose="020B0604020202020204" pitchFamily="34" charset="0"/>
+              <a:buChar char="•"/>
+              <a:defRPr sz="2000" kern="1200">
+                <a:solidFill>
+                  <a:schemeClr val="tx1"/>
+                </a:solidFill>
+                <a:latin typeface="+mn-lt"/>
+                <a:ea typeface="+mn-ea"/>
+                <a:cs typeface="+mn-cs"/>
+              </a:defRPr>
+            </a:lvl7pPr>
+            <a:lvl8pPr marL="3429000" indent="-228600" algn="l" defTabSz="914400" rtl="0" eaLnBrk="1" latinLnBrk="0" hangingPunct="1">
+              <a:spcBef>
+                <a:spcPct val="20000"/>
+              </a:spcBef>
+              <a:buFont typeface="Arial" panose="020B0604020202020204" pitchFamily="34" charset="0"/>
+              <a:buChar char="•"/>
+              <a:defRPr sz="2000" kern="1200">
+                <a:solidFill>
+                  <a:schemeClr val="tx1"/>
+                </a:solidFill>
+                <a:latin typeface="+mn-lt"/>
+                <a:ea typeface="+mn-ea"/>
+                <a:cs typeface="+mn-cs"/>
+              </a:defRPr>
+            </a:lvl8pPr>
+            <a:lvl9pPr marL="3886200" indent="-228600" algn="l" defTabSz="914400" rtl="0" eaLnBrk="1" latinLnBrk="0" hangingPunct="1">
+              <a:spcBef>
+                <a:spcPct val="20000"/>
+              </a:spcBef>
+              <a:buFont typeface="Arial" panose="020B0604020202020204" pitchFamily="34" charset="0"/>
+              <a:buChar char="•"/>
+              <a:defRPr sz="2000" kern="1200">
+                <a:solidFill>
+                  <a:schemeClr val="tx1"/>
+                </a:solidFill>
+                <a:latin typeface="+mn-lt"/>
+                <a:ea typeface="+mn-ea"/>
+                <a:cs typeface="+mn-cs"/>
+              </a:defRPr>
+            </a:lvl9pPr>
+          </a:lstStyle>
+          <a:p>
+            <a:pPr marL="0" indent="0" algn="r">
+              <a:buNone/>
+            </a:pPr>
+            <a:r>
+              <a:rPr lang="en-US" sz="4000" dirty="0" smtClean="0">
+                <a:solidFill>
+                  <a:schemeClr val="tx2">
+                    <a:lumMod val="60000"/>
+                    <a:lumOff val="40000"/>
+                  </a:schemeClr>
+                </a:solidFill>
+                <a:latin typeface="Century Gothic" panose="020B0502020202020204" pitchFamily="34" charset="0"/>
+              </a:rPr>
+              <a:t>For the great Teamwork Assignment</a:t>
+            </a:r>
           </a:p>
         </p:txBody>
       </p:sp>
@@ -3923,6 +4590,321 @@
         </p:nvSpPr>
         <p:spPr>
           <a:xfrm>
+            <a:off x="-1476672" y="4653136"/>
+            <a:ext cx="10729192" cy="2304256"/>
+          </a:xfrm>
+          <a:prstGeom prst="rect">
+            <a:avLst/>
+          </a:prstGeom>
+        </p:spPr>
+        <p:txBody>
+          <a:bodyPr vert="horz" lIns="91440" tIns="45720" rIns="91440" bIns="45720" rtlCol="0">
+            <a:normAutofit/>
+          </a:bodyPr>
+          <a:lstStyle>
+            <a:lvl1pPr marL="342900" indent="-342900" algn="l" defTabSz="914400" rtl="0" eaLnBrk="1" latinLnBrk="0" hangingPunct="1">
+              <a:spcBef>
+                <a:spcPct val="20000"/>
+              </a:spcBef>
+              <a:buFont typeface="Arial" panose="020B0604020202020204" pitchFamily="34" charset="0"/>
+              <a:buChar char="•"/>
+              <a:defRPr sz="3200" kern="1200">
+                <a:solidFill>
+                  <a:schemeClr val="tx1"/>
+                </a:solidFill>
+                <a:latin typeface="+mn-lt"/>
+                <a:ea typeface="+mn-ea"/>
+                <a:cs typeface="+mn-cs"/>
+              </a:defRPr>
+            </a:lvl1pPr>
+            <a:lvl2pPr marL="742950" indent="-285750" algn="l" defTabSz="914400" rtl="0" eaLnBrk="1" latinLnBrk="0" hangingPunct="1">
+              <a:spcBef>
+                <a:spcPct val="20000"/>
+              </a:spcBef>
+              <a:buFont typeface="Arial" panose="020B0604020202020204" pitchFamily="34" charset="0"/>
+              <a:buChar char="–"/>
+              <a:defRPr sz="2800" kern="1200">
+                <a:solidFill>
+                  <a:schemeClr val="tx1"/>
+                </a:solidFill>
+                <a:latin typeface="+mn-lt"/>
+                <a:ea typeface="+mn-ea"/>
+                <a:cs typeface="+mn-cs"/>
+              </a:defRPr>
+            </a:lvl2pPr>
+            <a:lvl3pPr marL="1143000" indent="-228600" algn="l" defTabSz="914400" rtl="0" eaLnBrk="1" latinLnBrk="0" hangingPunct="1">
+              <a:spcBef>
+                <a:spcPct val="20000"/>
+              </a:spcBef>
+              <a:buFont typeface="Arial" panose="020B0604020202020204" pitchFamily="34" charset="0"/>
+              <a:buChar char="•"/>
+              <a:defRPr sz="2400" kern="1200">
+                <a:solidFill>
+                  <a:schemeClr val="tx1"/>
+                </a:solidFill>
+                <a:latin typeface="+mn-lt"/>
+                <a:ea typeface="+mn-ea"/>
+                <a:cs typeface="+mn-cs"/>
+              </a:defRPr>
+            </a:lvl3pPr>
+            <a:lvl4pPr marL="1600200" indent="-228600" algn="l" defTabSz="914400" rtl="0" eaLnBrk="1" latinLnBrk="0" hangingPunct="1">
+              <a:spcBef>
+                <a:spcPct val="20000"/>
+              </a:spcBef>
+              <a:buFont typeface="Arial" panose="020B0604020202020204" pitchFamily="34" charset="0"/>
+              <a:buChar char="–"/>
+              <a:defRPr sz="2000" kern="1200">
+                <a:solidFill>
+                  <a:schemeClr val="tx1"/>
+                </a:solidFill>
+                <a:latin typeface="+mn-lt"/>
+                <a:ea typeface="+mn-ea"/>
+                <a:cs typeface="+mn-cs"/>
+              </a:defRPr>
+            </a:lvl4pPr>
+            <a:lvl5pPr marL="2057400" indent="-228600" algn="l" defTabSz="914400" rtl="0" eaLnBrk="1" latinLnBrk="0" hangingPunct="1">
+              <a:spcBef>
+                <a:spcPct val="20000"/>
+              </a:spcBef>
+              <a:buFont typeface="Arial" panose="020B0604020202020204" pitchFamily="34" charset="0"/>
+              <a:buChar char="»"/>
+              <a:defRPr sz="2000" kern="1200">
+                <a:solidFill>
+                  <a:schemeClr val="tx1"/>
+                </a:solidFill>
+                <a:latin typeface="+mn-lt"/>
+                <a:ea typeface="+mn-ea"/>
+                <a:cs typeface="+mn-cs"/>
+              </a:defRPr>
+            </a:lvl5pPr>
+            <a:lvl6pPr marL="2514600" indent="-228600" algn="l" defTabSz="914400" rtl="0" eaLnBrk="1" latinLnBrk="0" hangingPunct="1">
+              <a:spcBef>
+                <a:spcPct val="20000"/>
+              </a:spcBef>
+              <a:buFont typeface="Arial" panose="020B0604020202020204" pitchFamily="34" charset="0"/>
+              <a:buChar char="•"/>
+              <a:defRPr sz="2000" kern="1200">
+                <a:solidFill>
+                  <a:schemeClr val="tx1"/>
+                </a:solidFill>
+                <a:latin typeface="+mn-lt"/>
+                <a:ea typeface="+mn-ea"/>
+                <a:cs typeface="+mn-cs"/>
+              </a:defRPr>
+            </a:lvl6pPr>
+            <a:lvl7pPr marL="2971800" indent="-228600" algn="l" defTabSz="914400" rtl="0" eaLnBrk="1" latinLnBrk="0" hangingPunct="1">
+              <a:spcBef>
+                <a:spcPct val="20000"/>
+              </a:spcBef>
+              <a:buFont typeface="Arial" panose="020B0604020202020204" pitchFamily="34" charset="0"/>
+              <a:buChar char="•"/>
+              <a:defRPr sz="2000" kern="1200">
+                <a:solidFill>
+                  <a:schemeClr val="tx1"/>
+                </a:solidFill>
+                <a:latin typeface="+mn-lt"/>
+                <a:ea typeface="+mn-ea"/>
+                <a:cs typeface="+mn-cs"/>
+              </a:defRPr>
+            </a:lvl7pPr>
+            <a:lvl8pPr marL="3429000" indent="-228600" algn="l" defTabSz="914400" rtl="0" eaLnBrk="1" latinLnBrk="0" hangingPunct="1">
+              <a:spcBef>
+                <a:spcPct val="20000"/>
+              </a:spcBef>
+              <a:buFont typeface="Arial" panose="020B0604020202020204" pitchFamily="34" charset="0"/>
+              <a:buChar char="•"/>
+              <a:defRPr sz="2000" kern="1200">
+                <a:solidFill>
+                  <a:schemeClr val="tx1"/>
+                </a:solidFill>
+                <a:latin typeface="+mn-lt"/>
+                <a:ea typeface="+mn-ea"/>
+                <a:cs typeface="+mn-cs"/>
+              </a:defRPr>
+            </a:lvl8pPr>
+            <a:lvl9pPr marL="3886200" indent="-228600" algn="l" defTabSz="914400" rtl="0" eaLnBrk="1" latinLnBrk="0" hangingPunct="1">
+              <a:spcBef>
+                <a:spcPct val="20000"/>
+              </a:spcBef>
+              <a:buFont typeface="Arial" panose="020B0604020202020204" pitchFamily="34" charset="0"/>
+              <a:buChar char="•"/>
+              <a:defRPr sz="2000" kern="1200">
+                <a:solidFill>
+                  <a:schemeClr val="tx1"/>
+                </a:solidFill>
+                <a:latin typeface="+mn-lt"/>
+                <a:ea typeface="+mn-ea"/>
+                <a:cs typeface="+mn-cs"/>
+              </a:defRPr>
+            </a:lvl9pPr>
+          </a:lstStyle>
+          <a:p>
+            <a:pPr marL="0" indent="0" algn="r">
+              <a:buNone/>
+            </a:pPr>
+            <a:r>
+              <a:rPr lang="en-US" sz="3600" dirty="0">
+                <a:solidFill>
+                  <a:schemeClr val="tx2">
+                    <a:lumMod val="60000"/>
+                    <a:lumOff val="40000"/>
+                  </a:schemeClr>
+                </a:solidFill>
+                <a:latin typeface="Century Gothic" panose="020B0502020202020204" pitchFamily="34" charset="0"/>
+              </a:rPr>
+              <a:t>https://github.com</a:t>
+            </a:r>
+            <a:r>
+              <a:rPr lang="en-US" sz="3600" dirty="0" smtClean="0">
+                <a:solidFill>
+                  <a:schemeClr val="tx2">
+                    <a:lumMod val="60000"/>
+                    <a:lumOff val="40000"/>
+                  </a:schemeClr>
+                </a:solidFill>
+                <a:latin typeface="Century Gothic" panose="020B0502020202020204" pitchFamily="34" charset="0"/>
+              </a:rPr>
+              <a:t>/</a:t>
+            </a:r>
+          </a:p>
+          <a:p>
+            <a:pPr marL="0" indent="0" algn="r">
+              <a:buNone/>
+            </a:pPr>
+            <a:r>
+              <a:rPr lang="en-US" sz="3600" dirty="0" err="1" smtClean="0">
+                <a:solidFill>
+                  <a:schemeClr val="tx2">
+                    <a:lumMod val="60000"/>
+                    <a:lumOff val="40000"/>
+                  </a:schemeClr>
+                </a:solidFill>
+                <a:latin typeface="Century Gothic" panose="020B0502020202020204" pitchFamily="34" charset="0"/>
+              </a:rPr>
+              <a:t>TeamWatson-DatabaseAppsTeamwork</a:t>
+            </a:r>
+            <a:endParaRPr lang="bg-BG" sz="3600" dirty="0" smtClean="0">
+              <a:solidFill>
+                <a:schemeClr val="tx2">
+                  <a:lumMod val="60000"/>
+                  <a:lumOff val="40000"/>
+                </a:schemeClr>
+              </a:solidFill>
+              <a:latin typeface="Century Gothic" panose="020B0502020202020204" pitchFamily="34" charset="0"/>
+            </a:endParaRPr>
+          </a:p>
+        </p:txBody>
+      </p:sp>
+      <p:sp>
+        <p:nvSpPr>
+          <p:cNvPr id="7" name="Заглавие 1"/>
+          <p:cNvSpPr txBox="1">
+            <a:spLocks/>
+          </p:cNvSpPr>
+          <p:nvPr/>
+        </p:nvSpPr>
+        <p:spPr>
+          <a:xfrm>
+            <a:off x="-180528" y="908720"/>
+            <a:ext cx="9721080" cy="2376264"/>
+          </a:xfrm>
+          <a:prstGeom prst="rect">
+            <a:avLst/>
+          </a:prstGeom>
+        </p:spPr>
+        <p:txBody>
+          <a:bodyPr vert="horz" lIns="91440" tIns="45720" rIns="91440" bIns="45720" rtlCol="0" anchor="ctr">
+            <a:noAutofit/>
+          </a:bodyPr>
+          <a:lstStyle>
+            <a:lvl1pPr algn="ctr" defTabSz="914400" rtl="0" eaLnBrk="1" latinLnBrk="0" hangingPunct="1">
+              <a:spcBef>
+                <a:spcPct val="0"/>
+              </a:spcBef>
+              <a:buNone/>
+              <a:defRPr sz="4400" kern="1200">
+                <a:solidFill>
+                  <a:schemeClr val="tx1"/>
+                </a:solidFill>
+                <a:latin typeface="+mj-lt"/>
+                <a:ea typeface="+mj-ea"/>
+                <a:cs typeface="+mj-cs"/>
+              </a:defRPr>
+            </a:lvl1pPr>
+          </a:lstStyle>
+          <a:p>
+            <a:pPr algn="l"/>
+            <a:r>
+              <a:rPr lang="en-US" sz="9100" b="1" dirty="0" smtClean="0">
+                <a:solidFill>
+                  <a:schemeClr val="tx2">
+                    <a:lumMod val="60000"/>
+                    <a:lumOff val="40000"/>
+                  </a:schemeClr>
+                </a:solidFill>
+                <a:latin typeface="Century Gothic" panose="020B0502020202020204" pitchFamily="34" charset="0"/>
+              </a:rPr>
+              <a:t>GitHub</a:t>
+            </a:r>
+            <a:endParaRPr lang="bg-BG" sz="9100" b="1" dirty="0">
+              <a:solidFill>
+                <a:schemeClr val="tx2">
+                  <a:lumMod val="60000"/>
+                  <a:lumOff val="40000"/>
+                </a:schemeClr>
+              </a:solidFill>
+              <a:latin typeface="Century Gothic" panose="020B0502020202020204" pitchFamily="34" charset="0"/>
+            </a:endParaRPr>
+          </a:p>
+        </p:txBody>
+      </p:sp>
+    </p:spTree>
+    <p:extLst>
+      <p:ext uri="{BB962C8B-B14F-4D97-AF65-F5344CB8AC3E}">
+        <p14:creationId xmlns:p14="http://schemas.microsoft.com/office/powerpoint/2010/main" val="3574557912"/>
+      </p:ext>
+    </p:extLst>
+  </p:cSld>
+  <p:clrMapOvr>
+    <a:masterClrMapping/>
+  </p:clrMapOvr>
+  <p:timing>
+    <p:tnLst>
+      <p:par>
+        <p:cTn id="1" dur="indefinite" restart="never" nodeType="tmRoot"/>
+      </p:par>
+    </p:tnLst>
+  </p:timing>
+</p:sld>
+</file>
+
+<file path=ppt/slides/slide3.xml><?xml version="1.0" encoding="utf-8"?>
+<p:sld xmlns:a="http://schemas.openxmlformats.org/drawingml/2006/main" xmlns:r="http://schemas.openxmlformats.org/officeDocument/2006/relationships" xmlns:p="http://schemas.openxmlformats.org/presentationml/2006/main">
+  <p:cSld>
+    <p:spTree>
+      <p:nvGrpSpPr>
+        <p:cNvPr id="1" name=""/>
+        <p:cNvGrpSpPr/>
+        <p:nvPr/>
+      </p:nvGrpSpPr>
+      <p:grpSpPr>
+        <a:xfrm>
+          <a:off x="0" y="0"/>
+          <a:ext cx="0" cy="0"/>
+          <a:chOff x="0" y="0"/>
+          <a:chExt cx="0" cy="0"/>
+        </a:xfrm>
+      </p:grpSpPr>
+      <p:sp>
+        <p:nvSpPr>
+          <p:cNvPr id="4" name="Подзаглавие 2"/>
+          <p:cNvSpPr txBox="1">
+            <a:spLocks/>
+          </p:cNvSpPr>
+          <p:nvPr/>
+        </p:nvSpPr>
+        <p:spPr>
+          <a:xfrm>
             <a:off x="-1476672" y="3068960"/>
             <a:ext cx="10729192" cy="3816424"/>
           </a:xfrm>
@@ -4347,15 +5329,6 @@
               </a:rPr>
               <a:t> Ivanov | Chris</a:t>
             </a:r>
-            <a:endParaRPr lang="en-US" sz="3600" dirty="0" smtClean="0">
-              <a:solidFill>
-                <a:schemeClr val="tx2">
-                  <a:lumMod val="60000"/>
-                  <a:lumOff val="40000"/>
-                </a:schemeClr>
-              </a:solidFill>
-              <a:latin typeface="Century Gothic" panose="020B0502020202020204" pitchFamily="34" charset="0"/>
-            </a:endParaRPr>
           </a:p>
         </p:txBody>
       </p:sp>
@@ -5038,321 +6011,6 @@
 </p:sld>
 </file>
 
-<file path=ppt/slides/slide3.xml><?xml version="1.0" encoding="utf-8"?>
-<p:sld xmlns:a="http://schemas.openxmlformats.org/drawingml/2006/main" xmlns:r="http://schemas.openxmlformats.org/officeDocument/2006/relationships" xmlns:p="http://schemas.openxmlformats.org/presentationml/2006/main">
-  <p:cSld>
-    <p:spTree>
-      <p:nvGrpSpPr>
-        <p:cNvPr id="1" name=""/>
-        <p:cNvGrpSpPr/>
-        <p:nvPr/>
-      </p:nvGrpSpPr>
-      <p:grpSpPr>
-        <a:xfrm>
-          <a:off x="0" y="0"/>
-          <a:ext cx="0" cy="0"/>
-          <a:chOff x="0" y="0"/>
-          <a:chExt cx="0" cy="0"/>
-        </a:xfrm>
-      </p:grpSpPr>
-      <p:sp>
-        <p:nvSpPr>
-          <p:cNvPr id="4" name="Подзаглавие 2"/>
-          <p:cNvSpPr txBox="1">
-            <a:spLocks/>
-          </p:cNvSpPr>
-          <p:nvPr/>
-        </p:nvSpPr>
-        <p:spPr>
-          <a:xfrm>
-            <a:off x="-1476672" y="4653136"/>
-            <a:ext cx="10729192" cy="2304256"/>
-          </a:xfrm>
-          <a:prstGeom prst="rect">
-            <a:avLst/>
-          </a:prstGeom>
-        </p:spPr>
-        <p:txBody>
-          <a:bodyPr vert="horz" lIns="91440" tIns="45720" rIns="91440" bIns="45720" rtlCol="0">
-            <a:normAutofit/>
-          </a:bodyPr>
-          <a:lstStyle>
-            <a:lvl1pPr marL="342900" indent="-342900" algn="l" defTabSz="914400" rtl="0" eaLnBrk="1" latinLnBrk="0" hangingPunct="1">
-              <a:spcBef>
-                <a:spcPct val="20000"/>
-              </a:spcBef>
-              <a:buFont typeface="Arial" panose="020B0604020202020204" pitchFamily="34" charset="0"/>
-              <a:buChar char="•"/>
-              <a:defRPr sz="3200" kern="1200">
-                <a:solidFill>
-                  <a:schemeClr val="tx1"/>
-                </a:solidFill>
-                <a:latin typeface="+mn-lt"/>
-                <a:ea typeface="+mn-ea"/>
-                <a:cs typeface="+mn-cs"/>
-              </a:defRPr>
-            </a:lvl1pPr>
-            <a:lvl2pPr marL="742950" indent="-285750" algn="l" defTabSz="914400" rtl="0" eaLnBrk="1" latinLnBrk="0" hangingPunct="1">
-              <a:spcBef>
-                <a:spcPct val="20000"/>
-              </a:spcBef>
-              <a:buFont typeface="Arial" panose="020B0604020202020204" pitchFamily="34" charset="0"/>
-              <a:buChar char="–"/>
-              <a:defRPr sz="2800" kern="1200">
-                <a:solidFill>
-                  <a:schemeClr val="tx1"/>
-                </a:solidFill>
-                <a:latin typeface="+mn-lt"/>
-                <a:ea typeface="+mn-ea"/>
-                <a:cs typeface="+mn-cs"/>
-              </a:defRPr>
-            </a:lvl2pPr>
-            <a:lvl3pPr marL="1143000" indent="-228600" algn="l" defTabSz="914400" rtl="0" eaLnBrk="1" latinLnBrk="0" hangingPunct="1">
-              <a:spcBef>
-                <a:spcPct val="20000"/>
-              </a:spcBef>
-              <a:buFont typeface="Arial" panose="020B0604020202020204" pitchFamily="34" charset="0"/>
-              <a:buChar char="•"/>
-              <a:defRPr sz="2400" kern="1200">
-                <a:solidFill>
-                  <a:schemeClr val="tx1"/>
-                </a:solidFill>
-                <a:latin typeface="+mn-lt"/>
-                <a:ea typeface="+mn-ea"/>
-                <a:cs typeface="+mn-cs"/>
-              </a:defRPr>
-            </a:lvl3pPr>
-            <a:lvl4pPr marL="1600200" indent="-228600" algn="l" defTabSz="914400" rtl="0" eaLnBrk="1" latinLnBrk="0" hangingPunct="1">
-              <a:spcBef>
-                <a:spcPct val="20000"/>
-              </a:spcBef>
-              <a:buFont typeface="Arial" panose="020B0604020202020204" pitchFamily="34" charset="0"/>
-              <a:buChar char="–"/>
-              <a:defRPr sz="2000" kern="1200">
-                <a:solidFill>
-                  <a:schemeClr val="tx1"/>
-                </a:solidFill>
-                <a:latin typeface="+mn-lt"/>
-                <a:ea typeface="+mn-ea"/>
-                <a:cs typeface="+mn-cs"/>
-              </a:defRPr>
-            </a:lvl4pPr>
-            <a:lvl5pPr marL="2057400" indent="-228600" algn="l" defTabSz="914400" rtl="0" eaLnBrk="1" latinLnBrk="0" hangingPunct="1">
-              <a:spcBef>
-                <a:spcPct val="20000"/>
-              </a:spcBef>
-              <a:buFont typeface="Arial" panose="020B0604020202020204" pitchFamily="34" charset="0"/>
-              <a:buChar char="»"/>
-              <a:defRPr sz="2000" kern="1200">
-                <a:solidFill>
-                  <a:schemeClr val="tx1"/>
-                </a:solidFill>
-                <a:latin typeface="+mn-lt"/>
-                <a:ea typeface="+mn-ea"/>
-                <a:cs typeface="+mn-cs"/>
-              </a:defRPr>
-            </a:lvl5pPr>
-            <a:lvl6pPr marL="2514600" indent="-228600" algn="l" defTabSz="914400" rtl="0" eaLnBrk="1" latinLnBrk="0" hangingPunct="1">
-              <a:spcBef>
-                <a:spcPct val="20000"/>
-              </a:spcBef>
-              <a:buFont typeface="Arial" panose="020B0604020202020204" pitchFamily="34" charset="0"/>
-              <a:buChar char="•"/>
-              <a:defRPr sz="2000" kern="1200">
-                <a:solidFill>
-                  <a:schemeClr val="tx1"/>
-                </a:solidFill>
-                <a:latin typeface="+mn-lt"/>
-                <a:ea typeface="+mn-ea"/>
-                <a:cs typeface="+mn-cs"/>
-              </a:defRPr>
-            </a:lvl6pPr>
-            <a:lvl7pPr marL="2971800" indent="-228600" algn="l" defTabSz="914400" rtl="0" eaLnBrk="1" latinLnBrk="0" hangingPunct="1">
-              <a:spcBef>
-                <a:spcPct val="20000"/>
-              </a:spcBef>
-              <a:buFont typeface="Arial" panose="020B0604020202020204" pitchFamily="34" charset="0"/>
-              <a:buChar char="•"/>
-              <a:defRPr sz="2000" kern="1200">
-                <a:solidFill>
-                  <a:schemeClr val="tx1"/>
-                </a:solidFill>
-                <a:latin typeface="+mn-lt"/>
-                <a:ea typeface="+mn-ea"/>
-                <a:cs typeface="+mn-cs"/>
-              </a:defRPr>
-            </a:lvl7pPr>
-            <a:lvl8pPr marL="3429000" indent="-228600" algn="l" defTabSz="914400" rtl="0" eaLnBrk="1" latinLnBrk="0" hangingPunct="1">
-              <a:spcBef>
-                <a:spcPct val="20000"/>
-              </a:spcBef>
-              <a:buFont typeface="Arial" panose="020B0604020202020204" pitchFamily="34" charset="0"/>
-              <a:buChar char="•"/>
-              <a:defRPr sz="2000" kern="1200">
-                <a:solidFill>
-                  <a:schemeClr val="tx1"/>
-                </a:solidFill>
-                <a:latin typeface="+mn-lt"/>
-                <a:ea typeface="+mn-ea"/>
-                <a:cs typeface="+mn-cs"/>
-              </a:defRPr>
-            </a:lvl8pPr>
-            <a:lvl9pPr marL="3886200" indent="-228600" algn="l" defTabSz="914400" rtl="0" eaLnBrk="1" latinLnBrk="0" hangingPunct="1">
-              <a:spcBef>
-                <a:spcPct val="20000"/>
-              </a:spcBef>
-              <a:buFont typeface="Arial" panose="020B0604020202020204" pitchFamily="34" charset="0"/>
-              <a:buChar char="•"/>
-              <a:defRPr sz="2000" kern="1200">
-                <a:solidFill>
-                  <a:schemeClr val="tx1"/>
-                </a:solidFill>
-                <a:latin typeface="+mn-lt"/>
-                <a:ea typeface="+mn-ea"/>
-                <a:cs typeface="+mn-cs"/>
-              </a:defRPr>
-            </a:lvl9pPr>
-          </a:lstStyle>
-          <a:p>
-            <a:pPr marL="0" indent="0" algn="r">
-              <a:buNone/>
-            </a:pPr>
-            <a:r>
-              <a:rPr lang="en-US" sz="3600" dirty="0">
-                <a:solidFill>
-                  <a:schemeClr val="tx2">
-                    <a:lumMod val="60000"/>
-                    <a:lumOff val="40000"/>
-                  </a:schemeClr>
-                </a:solidFill>
-                <a:latin typeface="Century Gothic" panose="020B0502020202020204" pitchFamily="34" charset="0"/>
-              </a:rPr>
-              <a:t>https://github.com</a:t>
-            </a:r>
-            <a:r>
-              <a:rPr lang="en-US" sz="3600" dirty="0" smtClean="0">
-                <a:solidFill>
-                  <a:schemeClr val="tx2">
-                    <a:lumMod val="60000"/>
-                    <a:lumOff val="40000"/>
-                  </a:schemeClr>
-                </a:solidFill>
-                <a:latin typeface="Century Gothic" panose="020B0502020202020204" pitchFamily="34" charset="0"/>
-              </a:rPr>
-              <a:t>/</a:t>
-            </a:r>
-          </a:p>
-          <a:p>
-            <a:pPr marL="0" indent="0" algn="r">
-              <a:buNone/>
-            </a:pPr>
-            <a:r>
-              <a:rPr lang="en-US" sz="3600" dirty="0" err="1" smtClean="0">
-                <a:solidFill>
-                  <a:schemeClr val="tx2">
-                    <a:lumMod val="60000"/>
-                    <a:lumOff val="40000"/>
-                  </a:schemeClr>
-                </a:solidFill>
-                <a:latin typeface="Century Gothic" panose="020B0502020202020204" pitchFamily="34" charset="0"/>
-              </a:rPr>
-              <a:t>TeamWatson-DatabaseAppsTeamwork</a:t>
-            </a:r>
-            <a:endParaRPr lang="bg-BG" sz="3600" dirty="0" smtClean="0">
-              <a:solidFill>
-                <a:schemeClr val="tx2">
-                  <a:lumMod val="60000"/>
-                  <a:lumOff val="40000"/>
-                </a:schemeClr>
-              </a:solidFill>
-              <a:latin typeface="Century Gothic" panose="020B0502020202020204" pitchFamily="34" charset="0"/>
-            </a:endParaRPr>
-          </a:p>
-        </p:txBody>
-      </p:sp>
-      <p:sp>
-        <p:nvSpPr>
-          <p:cNvPr id="7" name="Заглавие 1"/>
-          <p:cNvSpPr txBox="1">
-            <a:spLocks/>
-          </p:cNvSpPr>
-          <p:nvPr/>
-        </p:nvSpPr>
-        <p:spPr>
-          <a:xfrm>
-            <a:off x="-180528" y="908720"/>
-            <a:ext cx="9721080" cy="2376264"/>
-          </a:xfrm>
-          <a:prstGeom prst="rect">
-            <a:avLst/>
-          </a:prstGeom>
-        </p:spPr>
-        <p:txBody>
-          <a:bodyPr vert="horz" lIns="91440" tIns="45720" rIns="91440" bIns="45720" rtlCol="0" anchor="ctr">
-            <a:noAutofit/>
-          </a:bodyPr>
-          <a:lstStyle>
-            <a:lvl1pPr algn="ctr" defTabSz="914400" rtl="0" eaLnBrk="1" latinLnBrk="0" hangingPunct="1">
-              <a:spcBef>
-                <a:spcPct val="0"/>
-              </a:spcBef>
-              <a:buNone/>
-              <a:defRPr sz="4400" kern="1200">
-                <a:solidFill>
-                  <a:schemeClr val="tx1"/>
-                </a:solidFill>
-                <a:latin typeface="+mj-lt"/>
-                <a:ea typeface="+mj-ea"/>
-                <a:cs typeface="+mj-cs"/>
-              </a:defRPr>
-            </a:lvl1pPr>
-          </a:lstStyle>
-          <a:p>
-            <a:pPr algn="l"/>
-            <a:r>
-              <a:rPr lang="en-US" sz="9100" b="1" dirty="0" smtClean="0">
-                <a:solidFill>
-                  <a:schemeClr val="tx2">
-                    <a:lumMod val="60000"/>
-                    <a:lumOff val="40000"/>
-                  </a:schemeClr>
-                </a:solidFill>
-                <a:latin typeface="Century Gothic" panose="020B0502020202020204" pitchFamily="34" charset="0"/>
-              </a:rPr>
-              <a:t>GitHub</a:t>
-            </a:r>
-            <a:endParaRPr lang="bg-BG" sz="9100" b="1" dirty="0">
-              <a:solidFill>
-                <a:schemeClr val="tx2">
-                  <a:lumMod val="60000"/>
-                  <a:lumOff val="40000"/>
-                </a:schemeClr>
-              </a:solidFill>
-              <a:latin typeface="Century Gothic" panose="020B0502020202020204" pitchFamily="34" charset="0"/>
-            </a:endParaRPr>
-          </a:p>
-        </p:txBody>
-      </p:sp>
-    </p:spTree>
-    <p:extLst>
-      <p:ext uri="{BB962C8B-B14F-4D97-AF65-F5344CB8AC3E}">
-        <p14:creationId xmlns:p14="http://schemas.microsoft.com/office/powerpoint/2010/main" val="713762943"/>
-      </p:ext>
-    </p:extLst>
-  </p:cSld>
-  <p:clrMapOvr>
-    <a:masterClrMapping/>
-  </p:clrMapOvr>
-  <p:timing>
-    <p:tnLst>
-      <p:par>
-        <p:cTn id="1" dur="indefinite" restart="never" nodeType="tmRoot"/>
-      </p:par>
-    </p:tnLst>
-  </p:timing>
-</p:sld>
-</file>
-
 <file path=ppt/slides/slide4.xml><?xml version="1.0" encoding="utf-8"?>
 <p:sld xmlns:a="http://schemas.openxmlformats.org/drawingml/2006/main" xmlns:r="http://schemas.openxmlformats.org/officeDocument/2006/relationships" xmlns:p="http://schemas.openxmlformats.org/presentationml/2006/main">
   <p:cSld>
@@ -5922,31 +6580,7 @@
                 </a:solidFill>
                 <a:latin typeface="Century Gothic" panose="020B0502020202020204" pitchFamily="34" charset="0"/>
               </a:rPr>
-              <a:t>C# | </a:t>
-            </a:r>
-            <a:r>
-              <a:rPr lang="en-US" sz="2800" dirty="0" smtClean="0">
-                <a:solidFill>
-                  <a:schemeClr val="tx2">
-                    <a:lumMod val="60000"/>
-                    <a:lumOff val="40000"/>
-                  </a:schemeClr>
-                </a:solidFill>
-                <a:latin typeface="Century Gothic" panose="020B0502020202020204" pitchFamily="34" charset="0"/>
-              </a:rPr>
-              <a:t>.NET | </a:t>
-            </a:r>
-            <a:r>
-              <a:rPr lang="en-US" sz="2800" dirty="0" smtClean="0">
-                <a:solidFill>
-                  <a:schemeClr val="tx2">
-                    <a:lumMod val="60000"/>
-                    <a:lumOff val="40000"/>
-                  </a:schemeClr>
-                </a:solidFill>
-                <a:latin typeface="Century Gothic" panose="020B0502020202020204" pitchFamily="34" charset="0"/>
-              </a:rPr>
-              <a:t>Entity Framework</a:t>
+              <a:t>C# | .NET | Entity Framework</a:t>
             </a:r>
           </a:p>
           <a:p>
@@ -6100,15 +6734,6 @@
               </a:rPr>
               <a:t> </a:t>
             </a:r>
-            <a:endParaRPr lang="en-US" sz="2800" dirty="0" smtClean="0">
-              <a:solidFill>
-                <a:schemeClr val="tx2">
-                  <a:lumMod val="60000"/>
-                  <a:lumOff val="40000"/>
-                </a:schemeClr>
-              </a:solidFill>
-              <a:latin typeface="Century Gothic" panose="020B0502020202020204" pitchFamily="34" charset="0"/>
-            </a:endParaRPr>
           </a:p>
         </p:txBody>
       </p:sp>
@@ -6384,19 +7009,7 @@
                 </a:solidFill>
                 <a:latin typeface="Century Gothic" panose="020B0502020202020204" pitchFamily="34" charset="0"/>
               </a:rPr>
-              <a:t>Well Structured</a:t>
-            </a:r>
-            <a:r>
-              <a:rPr lang="en-US" sz="3600" dirty="0" smtClean="0">
-                <a:solidFill>
-                  <a:schemeClr val="tx2">
-                    <a:lumMod val="60000"/>
-                    <a:lumOff val="40000"/>
-                  </a:schemeClr>
-                </a:solidFill>
-                <a:latin typeface="Century Gothic" panose="020B0502020202020204" pitchFamily="34" charset="0"/>
-              </a:rPr>
-              <a:t> Architecture</a:t>
+              <a:t>Well Structured Architecture</a:t>
             </a:r>
           </a:p>
           <a:p>
@@ -6844,15 +7457,6 @@
               </a:rPr>
               <a:t>One client runs all the databases</a:t>
             </a:r>
-            <a:endParaRPr lang="en-US" sz="3600" dirty="0" smtClean="0">
-              <a:solidFill>
-                <a:schemeClr val="tx2">
-                  <a:lumMod val="60000"/>
-                  <a:lumOff val="40000"/>
-                </a:schemeClr>
-              </a:solidFill>
-              <a:latin typeface="Century Gothic" panose="020B0502020202020204" pitchFamily="34" charset="0"/>
-            </a:endParaRPr>
           </a:p>
         </p:txBody>
       </p:sp>
@@ -7164,15 +7768,6 @@
               </a:rPr>
               <a:t>Unit of Work</a:t>
             </a:r>
-            <a:endParaRPr lang="en-US" sz="3600" dirty="0" smtClean="0">
-              <a:solidFill>
-                <a:schemeClr val="tx2">
-                  <a:lumMod val="60000"/>
-                  <a:lumOff val="40000"/>
-                </a:schemeClr>
-              </a:solidFill>
-              <a:latin typeface="Century Gothic" panose="020B0502020202020204" pitchFamily="34" charset="0"/>
-            </a:endParaRPr>
           </a:p>
         </p:txBody>
       </p:sp>
